--- a/Курсовой проект/Презентация.pptx
+++ b/Курсовой проект/Презентация.pptx
@@ -110,6 +110,11 @@
       </a:defRPr>
     </a:lvl9pPr>
   </p:defaultTextStyle>
+  <p:extLst>
+    <p:ext uri="{EFAFB233-063F-42B5-8137-9DF3F51BA10A}">
+      <p15:sldGuideLst xmlns:p15="http://schemas.microsoft.com/office/powerpoint/2012/main"/>
+    </p:ext>
+  </p:extLst>
 </p:presentation>
 </file>
 
@@ -299,7 +304,7 @@
           <a:p>
             <a:fld id="{A189E590-00EA-449B-BC3C-825600E2E76A}" type="datetimeFigureOut">
               <a:rPr lang="ru-RU" smtClean="0"/>
-              <a:t>20.06.2020</a:t>
+              <a:t>22.06.2020</a:t>
             </a:fld>
             <a:endParaRPr lang="ru-RU"/>
           </a:p>
@@ -574,7 +579,7 @@
           <a:p>
             <a:fld id="{A189E590-00EA-449B-BC3C-825600E2E76A}" type="datetimeFigureOut">
               <a:rPr lang="ru-RU" smtClean="0"/>
-              <a:t>20.06.2020</a:t>
+              <a:t>22.06.2020</a:t>
             </a:fld>
             <a:endParaRPr lang="ru-RU"/>
           </a:p>
@@ -768,7 +773,7 @@
           <a:p>
             <a:fld id="{A189E590-00EA-449B-BC3C-825600E2E76A}" type="datetimeFigureOut">
               <a:rPr lang="ru-RU" smtClean="0"/>
-              <a:t>20.06.2020</a:t>
+              <a:t>22.06.2020</a:t>
             </a:fld>
             <a:endParaRPr lang="ru-RU"/>
           </a:p>
@@ -1041,7 +1046,7 @@
           <a:p>
             <a:fld id="{A189E590-00EA-449B-BC3C-825600E2E76A}" type="datetimeFigureOut">
               <a:rPr lang="ru-RU" smtClean="0"/>
-              <a:t>20.06.2020</a:t>
+              <a:t>22.06.2020</a:t>
             </a:fld>
             <a:endParaRPr lang="ru-RU"/>
           </a:p>
@@ -1382,7 +1387,7 @@
           <a:p>
             <a:fld id="{A189E590-00EA-449B-BC3C-825600E2E76A}" type="datetimeFigureOut">
               <a:rPr lang="ru-RU" smtClean="0"/>
-              <a:t>20.06.2020</a:t>
+              <a:t>22.06.2020</a:t>
             </a:fld>
             <a:endParaRPr lang="ru-RU"/>
           </a:p>
@@ -2005,7 +2010,7 @@
           <a:p>
             <a:fld id="{A189E590-00EA-449B-BC3C-825600E2E76A}" type="datetimeFigureOut">
               <a:rPr lang="ru-RU" smtClean="0"/>
-              <a:t>20.06.2020</a:t>
+              <a:t>22.06.2020</a:t>
             </a:fld>
             <a:endParaRPr lang="ru-RU"/>
           </a:p>
@@ -2865,7 +2870,7 @@
           <a:p>
             <a:fld id="{A189E590-00EA-449B-BC3C-825600E2E76A}" type="datetimeFigureOut">
               <a:rPr lang="ru-RU" smtClean="0"/>
-              <a:t>20.06.2020</a:t>
+              <a:t>22.06.2020</a:t>
             </a:fld>
             <a:endParaRPr lang="ru-RU"/>
           </a:p>
@@ -3035,7 +3040,7 @@
           <a:p>
             <a:fld id="{A189E590-00EA-449B-BC3C-825600E2E76A}" type="datetimeFigureOut">
               <a:rPr lang="ru-RU" smtClean="0"/>
-              <a:t>20.06.2020</a:t>
+              <a:t>22.06.2020</a:t>
             </a:fld>
             <a:endParaRPr lang="ru-RU"/>
           </a:p>
@@ -3215,7 +3220,7 @@
           <a:p>
             <a:fld id="{A189E590-00EA-449B-BC3C-825600E2E76A}" type="datetimeFigureOut">
               <a:rPr lang="ru-RU" smtClean="0"/>
-              <a:t>20.06.2020</a:t>
+              <a:t>22.06.2020</a:t>
             </a:fld>
             <a:endParaRPr lang="ru-RU"/>
           </a:p>
@@ -3385,7 +3390,7 @@
           <a:p>
             <a:fld id="{A189E590-00EA-449B-BC3C-825600E2E76A}" type="datetimeFigureOut">
               <a:rPr lang="ru-RU" smtClean="0"/>
-              <a:t>20.06.2020</a:t>
+              <a:t>22.06.2020</a:t>
             </a:fld>
             <a:endParaRPr lang="ru-RU"/>
           </a:p>
@@ -3632,7 +3637,7 @@
           <a:p>
             <a:fld id="{A189E590-00EA-449B-BC3C-825600E2E76A}" type="datetimeFigureOut">
               <a:rPr lang="ru-RU" smtClean="0"/>
-              <a:t>20.06.2020</a:t>
+              <a:t>22.06.2020</a:t>
             </a:fld>
             <a:endParaRPr lang="ru-RU"/>
           </a:p>
@@ -3924,7 +3929,7 @@
           <a:p>
             <a:fld id="{A189E590-00EA-449B-BC3C-825600E2E76A}" type="datetimeFigureOut">
               <a:rPr lang="ru-RU" smtClean="0"/>
-              <a:t>20.06.2020</a:t>
+              <a:t>22.06.2020</a:t>
             </a:fld>
             <a:endParaRPr lang="ru-RU"/>
           </a:p>
@@ -4368,7 +4373,7 @@
           <a:p>
             <a:fld id="{A189E590-00EA-449B-BC3C-825600E2E76A}" type="datetimeFigureOut">
               <a:rPr lang="ru-RU" smtClean="0"/>
-              <a:t>20.06.2020</a:t>
+              <a:t>22.06.2020</a:t>
             </a:fld>
             <a:endParaRPr lang="ru-RU"/>
           </a:p>
@@ -4486,7 +4491,7 @@
           <a:p>
             <a:fld id="{A189E590-00EA-449B-BC3C-825600E2E76A}" type="datetimeFigureOut">
               <a:rPr lang="ru-RU" smtClean="0"/>
-              <a:t>20.06.2020</a:t>
+              <a:t>22.06.2020</a:t>
             </a:fld>
             <a:endParaRPr lang="ru-RU"/>
           </a:p>
@@ -4581,7 +4586,7 @@
           <a:p>
             <a:fld id="{A189E590-00EA-449B-BC3C-825600E2E76A}" type="datetimeFigureOut">
               <a:rPr lang="ru-RU" smtClean="0"/>
-              <a:t>20.06.2020</a:t>
+              <a:t>22.06.2020</a:t>
             </a:fld>
             <a:endParaRPr lang="ru-RU"/>
           </a:p>
@@ -4860,7 +4865,7 @@
           <a:p>
             <a:fld id="{A189E590-00EA-449B-BC3C-825600E2E76A}" type="datetimeFigureOut">
               <a:rPr lang="ru-RU" smtClean="0"/>
-              <a:t>20.06.2020</a:t>
+              <a:t>22.06.2020</a:t>
             </a:fld>
             <a:endParaRPr lang="ru-RU"/>
           </a:p>
@@ -5135,7 +5140,7 @@
           <a:p>
             <a:fld id="{A189E590-00EA-449B-BC3C-825600E2E76A}" type="datetimeFigureOut">
               <a:rPr lang="ru-RU" smtClean="0"/>
-              <a:t>20.06.2020</a:t>
+              <a:t>22.06.2020</a:t>
             </a:fld>
             <a:endParaRPr lang="ru-RU"/>
           </a:p>
@@ -5564,7 +5569,7 @@
           <a:p>
             <a:fld id="{A189E590-00EA-449B-BC3C-825600E2E76A}" type="datetimeFigureOut">
               <a:rPr lang="ru-RU" smtClean="0"/>
-              <a:t>20.06.2020</a:t>
+              <a:t>22.06.2020</a:t>
             </a:fld>
             <a:endParaRPr lang="ru-RU"/>
           </a:p>
@@ -6564,12 +6569,12 @@
           <a:lstStyle/>
           <a:p>
             <a:r>
-              <a:rPr lang="ru-RU" dirty="0" err="1"/>
-              <a:t>Даграмма</a:t>
+              <a:rPr lang="ru-RU"/>
+              <a:t>Диаграмма </a:t>
             </a:r>
             <a:r>
               <a:rPr lang="ru-RU" dirty="0"/>
-              <a:t> классов</a:t>
+              <a:t>классов</a:t>
             </a:r>
           </a:p>
         </p:txBody>

--- a/Курсовой проект/Презентация.pptx
+++ b/Курсовой проект/Презентация.pptx
@@ -304,7 +304,7 @@
           <a:p>
             <a:fld id="{A189E590-00EA-449B-BC3C-825600E2E76A}" type="datetimeFigureOut">
               <a:rPr lang="ru-RU" smtClean="0"/>
-              <a:t>22.06.2020</a:t>
+              <a:t>23.06.2020</a:t>
             </a:fld>
             <a:endParaRPr lang="ru-RU"/>
           </a:p>
@@ -579,7 +579,7 @@
           <a:p>
             <a:fld id="{A189E590-00EA-449B-BC3C-825600E2E76A}" type="datetimeFigureOut">
               <a:rPr lang="ru-RU" smtClean="0"/>
-              <a:t>22.06.2020</a:t>
+              <a:t>23.06.2020</a:t>
             </a:fld>
             <a:endParaRPr lang="ru-RU"/>
           </a:p>
@@ -773,7 +773,7 @@
           <a:p>
             <a:fld id="{A189E590-00EA-449B-BC3C-825600E2E76A}" type="datetimeFigureOut">
               <a:rPr lang="ru-RU" smtClean="0"/>
-              <a:t>22.06.2020</a:t>
+              <a:t>23.06.2020</a:t>
             </a:fld>
             <a:endParaRPr lang="ru-RU"/>
           </a:p>
@@ -1046,7 +1046,7 @@
           <a:p>
             <a:fld id="{A189E590-00EA-449B-BC3C-825600E2E76A}" type="datetimeFigureOut">
               <a:rPr lang="ru-RU" smtClean="0"/>
-              <a:t>22.06.2020</a:t>
+              <a:t>23.06.2020</a:t>
             </a:fld>
             <a:endParaRPr lang="ru-RU"/>
           </a:p>
@@ -1387,7 +1387,7 @@
           <a:p>
             <a:fld id="{A189E590-00EA-449B-BC3C-825600E2E76A}" type="datetimeFigureOut">
               <a:rPr lang="ru-RU" smtClean="0"/>
-              <a:t>22.06.2020</a:t>
+              <a:t>23.06.2020</a:t>
             </a:fld>
             <a:endParaRPr lang="ru-RU"/>
           </a:p>
@@ -2010,7 +2010,7 @@
           <a:p>
             <a:fld id="{A189E590-00EA-449B-BC3C-825600E2E76A}" type="datetimeFigureOut">
               <a:rPr lang="ru-RU" smtClean="0"/>
-              <a:t>22.06.2020</a:t>
+              <a:t>23.06.2020</a:t>
             </a:fld>
             <a:endParaRPr lang="ru-RU"/>
           </a:p>
@@ -2870,7 +2870,7 @@
           <a:p>
             <a:fld id="{A189E590-00EA-449B-BC3C-825600E2E76A}" type="datetimeFigureOut">
               <a:rPr lang="ru-RU" smtClean="0"/>
-              <a:t>22.06.2020</a:t>
+              <a:t>23.06.2020</a:t>
             </a:fld>
             <a:endParaRPr lang="ru-RU"/>
           </a:p>
@@ -3040,7 +3040,7 @@
           <a:p>
             <a:fld id="{A189E590-00EA-449B-BC3C-825600E2E76A}" type="datetimeFigureOut">
               <a:rPr lang="ru-RU" smtClean="0"/>
-              <a:t>22.06.2020</a:t>
+              <a:t>23.06.2020</a:t>
             </a:fld>
             <a:endParaRPr lang="ru-RU"/>
           </a:p>
@@ -3220,7 +3220,7 @@
           <a:p>
             <a:fld id="{A189E590-00EA-449B-BC3C-825600E2E76A}" type="datetimeFigureOut">
               <a:rPr lang="ru-RU" smtClean="0"/>
-              <a:t>22.06.2020</a:t>
+              <a:t>23.06.2020</a:t>
             </a:fld>
             <a:endParaRPr lang="ru-RU"/>
           </a:p>
@@ -3390,7 +3390,7 @@
           <a:p>
             <a:fld id="{A189E590-00EA-449B-BC3C-825600E2E76A}" type="datetimeFigureOut">
               <a:rPr lang="ru-RU" smtClean="0"/>
-              <a:t>22.06.2020</a:t>
+              <a:t>23.06.2020</a:t>
             </a:fld>
             <a:endParaRPr lang="ru-RU"/>
           </a:p>
@@ -3637,7 +3637,7 @@
           <a:p>
             <a:fld id="{A189E590-00EA-449B-BC3C-825600E2E76A}" type="datetimeFigureOut">
               <a:rPr lang="ru-RU" smtClean="0"/>
-              <a:t>22.06.2020</a:t>
+              <a:t>23.06.2020</a:t>
             </a:fld>
             <a:endParaRPr lang="ru-RU"/>
           </a:p>
@@ -3929,7 +3929,7 @@
           <a:p>
             <a:fld id="{A189E590-00EA-449B-BC3C-825600E2E76A}" type="datetimeFigureOut">
               <a:rPr lang="ru-RU" smtClean="0"/>
-              <a:t>22.06.2020</a:t>
+              <a:t>23.06.2020</a:t>
             </a:fld>
             <a:endParaRPr lang="ru-RU"/>
           </a:p>
@@ -4373,7 +4373,7 @@
           <a:p>
             <a:fld id="{A189E590-00EA-449B-BC3C-825600E2E76A}" type="datetimeFigureOut">
               <a:rPr lang="ru-RU" smtClean="0"/>
-              <a:t>22.06.2020</a:t>
+              <a:t>23.06.2020</a:t>
             </a:fld>
             <a:endParaRPr lang="ru-RU"/>
           </a:p>
@@ -4491,7 +4491,7 @@
           <a:p>
             <a:fld id="{A189E590-00EA-449B-BC3C-825600E2E76A}" type="datetimeFigureOut">
               <a:rPr lang="ru-RU" smtClean="0"/>
-              <a:t>22.06.2020</a:t>
+              <a:t>23.06.2020</a:t>
             </a:fld>
             <a:endParaRPr lang="ru-RU"/>
           </a:p>
@@ -4586,7 +4586,7 @@
           <a:p>
             <a:fld id="{A189E590-00EA-449B-BC3C-825600E2E76A}" type="datetimeFigureOut">
               <a:rPr lang="ru-RU" smtClean="0"/>
-              <a:t>22.06.2020</a:t>
+              <a:t>23.06.2020</a:t>
             </a:fld>
             <a:endParaRPr lang="ru-RU"/>
           </a:p>
@@ -4865,7 +4865,7 @@
           <a:p>
             <a:fld id="{A189E590-00EA-449B-BC3C-825600E2E76A}" type="datetimeFigureOut">
               <a:rPr lang="ru-RU" smtClean="0"/>
-              <a:t>22.06.2020</a:t>
+              <a:t>23.06.2020</a:t>
             </a:fld>
             <a:endParaRPr lang="ru-RU"/>
           </a:p>
@@ -5140,7 +5140,7 @@
           <a:p>
             <a:fld id="{A189E590-00EA-449B-BC3C-825600E2E76A}" type="datetimeFigureOut">
               <a:rPr lang="ru-RU" smtClean="0"/>
-              <a:t>22.06.2020</a:t>
+              <a:t>23.06.2020</a:t>
             </a:fld>
             <a:endParaRPr lang="ru-RU"/>
           </a:p>
@@ -5569,7 +5569,7 @@
           <a:p>
             <a:fld id="{A189E590-00EA-449B-BC3C-825600E2E76A}" type="datetimeFigureOut">
               <a:rPr lang="ru-RU" smtClean="0"/>
-              <a:t>22.06.2020</a:t>
+              <a:t>23.06.2020</a:t>
             </a:fld>
             <a:endParaRPr lang="ru-RU"/>
           </a:p>
@@ -6287,7 +6287,7 @@
         </p:nvSpPr>
         <p:spPr>
           <a:xfrm>
-            <a:off x="1104293" y="3429000"/>
+            <a:off x="1104293" y="2192618"/>
             <a:ext cx="8946541" cy="1236382"/>
           </a:xfrm>
         </p:spPr>
@@ -6315,6 +6315,100 @@
           </a:p>
         </p:txBody>
       </p:sp>
+      <p:pic>
+        <p:nvPicPr>
+          <p:cNvPr id="1026" name="Picture 2" descr="Python icon">
+            <a:extLst>
+              <a:ext uri="{FF2B5EF4-FFF2-40B4-BE49-F238E27FC236}">
+                <a16:creationId xmlns:a16="http://schemas.microsoft.com/office/drawing/2014/main" id="{5B96C0C1-043A-4D1D-9535-8040DA426B7E}"/>
+              </a:ext>
+            </a:extLst>
+          </p:cNvPr>
+          <p:cNvPicPr>
+            <a:picLocks noChangeAspect="1" noChangeArrowheads="1"/>
+          </p:cNvPicPr>
+          <p:nvPr/>
+        </p:nvPicPr>
+        <p:blipFill>
+          <a:blip r:embed="rId2">
+            <a:extLst>
+              <a:ext uri="{28A0092B-C50C-407E-A947-70E740481C1C}">
+                <a14:useLocalDpi xmlns:a14="http://schemas.microsoft.com/office/drawing/2010/main" val="0"/>
+              </a:ext>
+            </a:extLst>
+          </a:blip>
+          <a:srcRect/>
+          <a:stretch>
+            <a:fillRect/>
+          </a:stretch>
+        </p:blipFill>
+        <p:spPr bwMode="auto">
+          <a:xfrm>
+            <a:off x="2654300" y="3768370"/>
+            <a:ext cx="2438400" cy="2438400"/>
+          </a:xfrm>
+          <a:prstGeom prst="rect">
+            <a:avLst/>
+          </a:prstGeom>
+          <a:noFill/>
+          <a:extLst>
+            <a:ext uri="{909E8E84-426E-40DD-AFC4-6F175D3DCCD1}">
+              <a14:hiddenFill xmlns:a14="http://schemas.microsoft.com/office/drawing/2010/main">
+                <a:solidFill>
+                  <a:srgbClr val="FFFFFF"/>
+                </a:solidFill>
+              </a14:hiddenFill>
+            </a:ext>
+          </a:extLst>
+        </p:spPr>
+      </p:pic>
+      <p:pic>
+        <p:nvPicPr>
+          <p:cNvPr id="1032" name="Picture 8" descr="Sublime text Icon | Pacifica Iconset | bokehlicia">
+            <a:extLst>
+              <a:ext uri="{FF2B5EF4-FFF2-40B4-BE49-F238E27FC236}">
+                <a16:creationId xmlns:a16="http://schemas.microsoft.com/office/drawing/2014/main" id="{C1F7604F-9262-408C-AA43-5968B0311C5A}"/>
+              </a:ext>
+            </a:extLst>
+          </p:cNvPr>
+          <p:cNvPicPr>
+            <a:picLocks noChangeAspect="1" noChangeArrowheads="1"/>
+          </p:cNvPicPr>
+          <p:nvPr/>
+        </p:nvPicPr>
+        <p:blipFill>
+          <a:blip r:embed="rId3">
+            <a:extLst>
+              <a:ext uri="{28A0092B-C50C-407E-A947-70E740481C1C}">
+                <a14:useLocalDpi xmlns:a14="http://schemas.microsoft.com/office/drawing/2010/main" val="0"/>
+              </a:ext>
+            </a:extLst>
+          </a:blip>
+          <a:srcRect/>
+          <a:stretch>
+            <a:fillRect/>
+          </a:stretch>
+        </p:blipFill>
+        <p:spPr bwMode="auto">
+          <a:xfrm>
+            <a:off x="6426200" y="3772852"/>
+            <a:ext cx="2438400" cy="2438400"/>
+          </a:xfrm>
+          <a:prstGeom prst="rect">
+            <a:avLst/>
+          </a:prstGeom>
+          <a:noFill/>
+          <a:extLst>
+            <a:ext uri="{909E8E84-426E-40DD-AFC4-6F175D3DCCD1}">
+              <a14:hiddenFill xmlns:a14="http://schemas.microsoft.com/office/drawing/2010/main">
+                <a:solidFill>
+                  <a:srgbClr val="FFFFFF"/>
+                </a:solidFill>
+              </a14:hiddenFill>
+            </a:ext>
+          </a:extLst>
+        </p:spPr>
+      </p:pic>
     </p:spTree>
     <p:extLst>
       <p:ext uri="{BB962C8B-B14F-4D97-AF65-F5344CB8AC3E}">
